--- a/LabBook_010.pptx
+++ b/LabBook_010.pptx
@@ -2,20 +2,20 @@
 <file path=ppt/presentation.xml><?xml version="1.0" encoding="utf-8"?>
 <p:presentation xmlns:a="http://schemas.openxmlformats.org/drawingml/2006/main" xmlns:r="http://schemas.openxmlformats.org/officeDocument/2006/relationships" xmlns:p="http://schemas.openxmlformats.org/presentationml/2006/main" showSpecialPlsOnTitleSld="0">
   <p:sldMasterIdLst>
-    <p:sldMasterId id="2147483648" r:id="rId1"/>
+    <p:sldMasterId id="2147483648" r:id="rId4"/>
   </p:sldMasterIdLst>
   <p:notesMasterIdLst>
-    <p:notesMasterId r:id="rId7"/>
+    <p:notesMasterId r:id="rId10"/>
   </p:notesMasterIdLst>
   <p:handoutMasterIdLst>
-    <p:handoutMasterId r:id="rId8"/>
+    <p:handoutMasterId r:id="rId11"/>
   </p:handoutMasterIdLst>
   <p:sldIdLst>
-    <p:sldId id="256" r:id="rId2"/>
-    <p:sldId id="289" r:id="rId3"/>
-    <p:sldId id="290" r:id="rId4"/>
-    <p:sldId id="291" r:id="rId5"/>
-    <p:sldId id="288" r:id="rId6"/>
+    <p:sldId id="256" r:id="rId5"/>
+    <p:sldId id="289" r:id="rId6"/>
+    <p:sldId id="290" r:id="rId7"/>
+    <p:sldId id="291" r:id="rId8"/>
+    <p:sldId id="288" r:id="rId9"/>
   </p:sldIdLst>
   <p:sldSz cx="12192000" cy="6858000"/>
   <p:notesSz cx="12192000" cy="6858000"/>
@@ -144,42 +144,6 @@
 </p1510:revInfo>
 </file>
 
-<file path=ppt/changesInfos/changesInfo1.xml><?xml version="1.0" encoding="utf-8"?>
-<pc:chgInfo xmlns:a="http://schemas.openxmlformats.org/drawingml/2006/main" xmlns:r="http://schemas.openxmlformats.org/officeDocument/2006/relationships" xmlns:ac="http://schemas.microsoft.com/office/drawing/2013/main/command" xmlns:pc="http://schemas.microsoft.com/office/powerpoint/2013/main/command">
-  <pc:docChgLst>
-    <pc:chgData name="Christian Camilo Cano Vasquez" userId="8c73a2a4-758b-4e34-81ed-39462e48bd92" providerId="ADAL" clId="{E6287060-0277-4BCC-9556-78F4A9113EC4}"/>
-    <pc:docChg chg="delSld modSld">
-      <pc:chgData name="Christian Camilo Cano Vasquez" userId="8c73a2a4-758b-4e34-81ed-39462e48bd92" providerId="ADAL" clId="{E6287060-0277-4BCC-9556-78F4A9113EC4}" dt="2026-02-03T12:19:54.710" v="164" actId="113"/>
-      <pc:docMkLst>
-        <pc:docMk/>
-      </pc:docMkLst>
-      <pc:sldChg chg="modSp mod">
-        <pc:chgData name="Christian Camilo Cano Vasquez" userId="8c73a2a4-758b-4e34-81ed-39462e48bd92" providerId="ADAL" clId="{E6287060-0277-4BCC-9556-78F4A9113EC4}" dt="2026-02-03T12:19:54.710" v="164" actId="113"/>
-        <pc:sldMkLst>
-          <pc:docMk/>
-          <pc:sldMk cId="560234623" sldId="289"/>
-        </pc:sldMkLst>
-        <pc:spChg chg="mod">
-          <ac:chgData name="Christian Camilo Cano Vasquez" userId="8c73a2a4-758b-4e34-81ed-39462e48bd92" providerId="ADAL" clId="{E6287060-0277-4BCC-9556-78F4A9113EC4}" dt="2026-02-03T12:19:54.710" v="164" actId="113"/>
-          <ac:spMkLst>
-            <pc:docMk/>
-            <pc:sldMk cId="560234623" sldId="289"/>
-            <ac:spMk id="4" creationId="{9F7BC140-B3D8-C3CB-55AD-9064C7CDE9CA}"/>
-          </ac:spMkLst>
-        </pc:spChg>
-      </pc:sldChg>
-      <pc:sldChg chg="del">
-        <pc:chgData name="Christian Camilo Cano Vasquez" userId="8c73a2a4-758b-4e34-81ed-39462e48bd92" providerId="ADAL" clId="{E6287060-0277-4BCC-9556-78F4A9113EC4}" dt="2026-02-03T12:15:41.104" v="0" actId="47"/>
-        <pc:sldMkLst>
-          <pc:docMk/>
-          <pc:sldMk cId="2900117438" sldId="292"/>
-        </pc:sldMkLst>
-      </pc:sldChg>
-    </pc:docChg>
-  </pc:docChgLst>
-</pc:chgInfo>
-</file>
-
 <file path=ppt/handoutMasters/handoutMaster1.xml><?xml version="1.0" encoding="utf-8"?>
 <p:handoutMaster xmlns:a="http://schemas.openxmlformats.org/drawingml/2006/main" xmlns:r="http://schemas.openxmlformats.org/officeDocument/2006/relationships" xmlns:p="http://schemas.openxmlformats.org/presentationml/2006/main">
   <p:cSld>
@@ -274,7 +238,7 @@
           <a:p>
             <a:fld id="{8438F8DC-35B0-48E6-A86E-42F1F08DD00F}" type="datetimeFigureOut">
               <a:rPr lang="es-ES" smtClean="0"/>
-              <a:t>03/02/2026</a:t>
+              <a:t>09/02/2026</a:t>
             </a:fld>
             <a:endParaRPr lang="es-ES"/>
           </a:p>
@@ -451,7 +415,7 @@
           <a:p>
             <a:fld id="{FACBDC12-F39B-4B97-8F4D-6734F9D366FF}" type="datetimeFigureOut">
               <a:rPr lang="es-ES" smtClean="0"/>
-              <a:t>03/02/2026</a:t>
+              <a:t>09/02/2026</a:t>
             </a:fld>
             <a:endParaRPr lang="es-ES"/>
           </a:p>
@@ -5337,6 +5301,164 @@
           </a:p>
         </p:txBody>
       </p:sp>
+      <p:sp>
+        <p:nvSpPr>
+          <p:cNvPr id="7" name="CuadroTexto 6">
+            <a:extLst>
+              <a:ext uri="{FF2B5EF4-FFF2-40B4-BE49-F238E27FC236}">
+                <a16:creationId xmlns:a16="http://schemas.microsoft.com/office/drawing/2014/main" id="{7CAD427B-6097-910F-3ED4-DE28E90E11E0}"/>
+              </a:ext>
+            </a:extLst>
+          </p:cNvPr>
+          <p:cNvSpPr txBox="1"/>
+          <p:nvPr/>
+        </p:nvSpPr>
+        <p:spPr>
+          <a:xfrm>
+            <a:off x="7901955" y="400263"/>
+            <a:ext cx="4104330" cy="1169551"/>
+          </a:xfrm>
+          <a:prstGeom prst="rect">
+            <a:avLst/>
+          </a:prstGeom>
+          <a:noFill/>
+        </p:spPr>
+        <p:txBody>
+          <a:bodyPr wrap="square" rtlCol="0">
+            <a:spAutoFit/>
+          </a:bodyPr>
+          <a:lstStyle/>
+          <a:p>
+            <a:r>
+              <a:rPr lang="es-ES" sz="1400" dirty="0">
+                <a:solidFill>
+                  <a:srgbClr val="FF0000"/>
+                </a:solidFill>
+              </a:rPr>
+              <a:t>El índice efectivo es el índice que siente el modo al propagarse por la guía. Si solo esta confiando en el </a:t>
+            </a:r>
+            <a:r>
+              <a:rPr lang="es-ES" sz="1400" dirty="0" err="1">
+                <a:solidFill>
+                  <a:srgbClr val="FF0000"/>
+                </a:solidFill>
+              </a:rPr>
+              <a:t>core</a:t>
+            </a:r>
+            <a:r>
+              <a:rPr lang="es-ES" sz="1400" dirty="0">
+                <a:solidFill>
+                  <a:srgbClr val="FF0000"/>
+                </a:solidFill>
+              </a:rPr>
+              <a:t> </a:t>
+            </a:r>
+            <a:r>
+              <a:rPr lang="es-ES" sz="1400" dirty="0" err="1">
+                <a:solidFill>
+                  <a:srgbClr val="FF0000"/>
+                </a:solidFill>
+              </a:rPr>
+              <a:t>tndra</a:t>
+            </a:r>
+            <a:r>
+              <a:rPr lang="es-ES" sz="1400" dirty="0">
+                <a:solidFill>
+                  <a:srgbClr val="FF0000"/>
+                </a:solidFill>
+              </a:rPr>
+              <a:t> en el </a:t>
+            </a:r>
+            <a:r>
+              <a:rPr lang="es-ES" sz="1400" dirty="0" err="1">
+                <a:solidFill>
+                  <a:srgbClr val="FF0000"/>
+                </a:solidFill>
+              </a:rPr>
+              <a:t>core</a:t>
+            </a:r>
+            <a:r>
+              <a:rPr lang="es-ES" sz="1400" dirty="0">
+                <a:solidFill>
+                  <a:srgbClr val="FF0000"/>
+                </a:solidFill>
+              </a:rPr>
+              <a:t> y si esta full en la cubierta será el índice del </a:t>
+            </a:r>
+            <a:r>
+              <a:rPr lang="es-ES" sz="1400" dirty="0" err="1">
+                <a:solidFill>
+                  <a:srgbClr val="FF0000"/>
+                </a:solidFill>
+              </a:rPr>
+              <a:t>cladding</a:t>
+            </a:r>
+            <a:r>
+              <a:rPr lang="es-ES" sz="1400" dirty="0">
+                <a:solidFill>
+                  <a:srgbClr val="FF0000"/>
+                </a:solidFill>
+              </a:rPr>
+              <a:t>, peri es esta entre los dos, existes un índice que englobe estos dos.</a:t>
+            </a:r>
+          </a:p>
+        </p:txBody>
+      </p:sp>
+      <p:sp>
+        <p:nvSpPr>
+          <p:cNvPr id="9" name="CuadroTexto 8">
+            <a:extLst>
+              <a:ext uri="{FF2B5EF4-FFF2-40B4-BE49-F238E27FC236}">
+                <a16:creationId xmlns:a16="http://schemas.microsoft.com/office/drawing/2014/main" id="{DB94E6ED-8070-9B40-7058-DD03ED37BA0F}"/>
+              </a:ext>
+            </a:extLst>
+          </p:cNvPr>
+          <p:cNvSpPr txBox="1"/>
+          <p:nvPr/>
+        </p:nvSpPr>
+        <p:spPr>
+          <a:xfrm>
+            <a:off x="7955726" y="1672334"/>
+            <a:ext cx="4050559" cy="523220"/>
+          </a:xfrm>
+          <a:prstGeom prst="rect">
+            <a:avLst/>
+          </a:prstGeom>
+          <a:noFill/>
+        </p:spPr>
+        <p:txBody>
+          <a:bodyPr wrap="square" rtlCol="0">
+            <a:spAutoFit/>
+          </a:bodyPr>
+          <a:lstStyle/>
+          <a:p>
+            <a:r>
+              <a:rPr lang="es-ES" sz="1400" dirty="0">
+                <a:solidFill>
+                  <a:srgbClr val="FF0000"/>
+                </a:solidFill>
+              </a:rPr>
+              <a:t>Los índices que se calculen y sean menores que los del </a:t>
+            </a:r>
+            <a:r>
+              <a:rPr lang="es-ES" sz="1400" dirty="0" err="1">
+                <a:solidFill>
+                  <a:srgbClr val="FF0000"/>
+                </a:solidFill>
+              </a:rPr>
+              <a:t>cladding</a:t>
+            </a:r>
+            <a:r>
+              <a:rPr lang="es-ES" sz="1400" dirty="0">
+                <a:solidFill>
+                  <a:srgbClr val="FF0000"/>
+                </a:solidFill>
+              </a:rPr>
+              <a:t>, son modos que no se propagan</a:t>
+            </a:r>
+          </a:p>
+        </p:txBody>
+      </p:sp>
     </p:spTree>
     <p:extLst>
       <p:ext uri="{BB962C8B-B14F-4D97-AF65-F5344CB8AC3E}">
@@ -6066,7 +6188,7 @@
         <p:spPr>
           <a:xfrm>
             <a:off x="609441" y="4860334"/>
-            <a:ext cx="11199971" cy="1200329"/>
+            <a:ext cx="11199971" cy="1384995"/>
           </a:xfrm>
           <a:prstGeom prst="rect">
             <a:avLst/>
@@ -6106,24 +6228,411 @@
           </a:p>
           <a:p>
             <a:pPr algn="just"/>
-            <a:endParaRPr lang="en-US" sz="1200" dirty="0">
-              <a:latin typeface="Arial" panose="020B0604020202020204" pitchFamily="34" charset="0"/>
-              <a:cs typeface="Arial" panose="020B0604020202020204" pitchFamily="34" charset="0"/>
-            </a:endParaRPr>
+            <a:r>
+              <a:rPr lang="en-US" sz="1200" dirty="0">
+                <a:latin typeface="Arial" panose="020B0604020202020204" pitchFamily="34" charset="0"/>
+                <a:cs typeface="Arial" panose="020B0604020202020204" pitchFamily="34" charset="0"/>
+              </a:rPr>
+              <a:t>En la </a:t>
+            </a:r>
+            <a:r>
+              <a:rPr lang="en-US" sz="1200" dirty="0" err="1">
+                <a:latin typeface="Arial" panose="020B0604020202020204" pitchFamily="34" charset="0"/>
+                <a:cs typeface="Arial" panose="020B0604020202020204" pitchFamily="34" charset="0"/>
+              </a:rPr>
+              <a:t>guía</a:t>
+            </a:r>
+            <a:r>
+              <a:rPr lang="en-US" sz="1200" dirty="0">
+                <a:latin typeface="Arial" panose="020B0604020202020204" pitchFamily="34" charset="0"/>
+                <a:cs typeface="Arial" panose="020B0604020202020204" pitchFamily="34" charset="0"/>
+              </a:rPr>
+              <a:t> de </a:t>
+            </a:r>
+            <a:r>
+              <a:rPr lang="en-US" sz="1200" dirty="0" err="1">
+                <a:latin typeface="Arial" panose="020B0604020202020204" pitchFamily="34" charset="0"/>
+                <a:cs typeface="Arial" panose="020B0604020202020204" pitchFamily="34" charset="0"/>
+              </a:rPr>
+              <a:t>onda</a:t>
+            </a:r>
+            <a:r>
+              <a:rPr lang="en-US" sz="1200" dirty="0">
+                <a:latin typeface="Arial" panose="020B0604020202020204" pitchFamily="34" charset="0"/>
+                <a:cs typeface="Arial" panose="020B0604020202020204" pitchFamily="34" charset="0"/>
+              </a:rPr>
+              <a:t> shallow se </a:t>
+            </a:r>
+            <a:r>
+              <a:rPr lang="en-US" sz="1200" dirty="0" err="1">
+                <a:latin typeface="Arial" panose="020B0604020202020204" pitchFamily="34" charset="0"/>
+                <a:cs typeface="Arial" panose="020B0604020202020204" pitchFamily="34" charset="0"/>
+              </a:rPr>
+              <a:t>propagan</a:t>
+            </a:r>
+            <a:r>
+              <a:rPr lang="en-US" sz="1200" dirty="0">
+                <a:latin typeface="Arial" panose="020B0604020202020204" pitchFamily="34" charset="0"/>
+                <a:cs typeface="Arial" panose="020B0604020202020204" pitchFamily="34" charset="0"/>
+              </a:rPr>
+              <a:t> </a:t>
+            </a:r>
+            <a:r>
+              <a:rPr lang="en-US" sz="1200" dirty="0" err="1">
+                <a:latin typeface="Arial" panose="020B0604020202020204" pitchFamily="34" charset="0"/>
+                <a:cs typeface="Arial" panose="020B0604020202020204" pitchFamily="34" charset="0"/>
+              </a:rPr>
+              <a:t>los</a:t>
+            </a:r>
+            <a:r>
+              <a:rPr lang="en-US" sz="1200" dirty="0">
+                <a:latin typeface="Arial" panose="020B0604020202020204" pitchFamily="34" charset="0"/>
+                <a:cs typeface="Arial" panose="020B0604020202020204" pitchFamily="34" charset="0"/>
+              </a:rPr>
+              <a:t> 4 </a:t>
+            </a:r>
+            <a:r>
+              <a:rPr lang="en-US" sz="1200" dirty="0" err="1">
+                <a:latin typeface="Arial" panose="020B0604020202020204" pitchFamily="34" charset="0"/>
+                <a:cs typeface="Arial" panose="020B0604020202020204" pitchFamily="34" charset="0"/>
+              </a:rPr>
+              <a:t>modos</a:t>
+            </a:r>
+            <a:r>
+              <a:rPr lang="en-US" sz="1200" dirty="0">
+                <a:latin typeface="Arial" panose="020B0604020202020204" pitchFamily="34" charset="0"/>
+                <a:cs typeface="Arial" panose="020B0604020202020204" pitchFamily="34" charset="0"/>
+              </a:rPr>
+              <a:t>, </a:t>
+            </a:r>
+            <a:r>
+              <a:rPr lang="en-US" sz="1200" dirty="0" err="1">
+                <a:latin typeface="Arial" panose="020B0604020202020204" pitchFamily="34" charset="0"/>
+                <a:cs typeface="Arial" panose="020B0604020202020204" pitchFamily="34" charset="0"/>
+              </a:rPr>
+              <a:t>en</a:t>
+            </a:r>
+            <a:r>
+              <a:rPr lang="en-US" sz="1200" dirty="0">
+                <a:latin typeface="Arial" panose="020B0604020202020204" pitchFamily="34" charset="0"/>
+                <a:cs typeface="Arial" panose="020B0604020202020204" pitchFamily="34" charset="0"/>
+              </a:rPr>
+              <a:t> </a:t>
+            </a:r>
+            <a:r>
+              <a:rPr lang="en-US" sz="1200" dirty="0" err="1">
+                <a:latin typeface="Arial" panose="020B0604020202020204" pitchFamily="34" charset="0"/>
+                <a:cs typeface="Arial" panose="020B0604020202020204" pitchFamily="34" charset="0"/>
+              </a:rPr>
+              <a:t>cambio</a:t>
+            </a:r>
+            <a:r>
+              <a:rPr lang="en-US" sz="1200" dirty="0">
+                <a:latin typeface="Arial" panose="020B0604020202020204" pitchFamily="34" charset="0"/>
+                <a:cs typeface="Arial" panose="020B0604020202020204" pitchFamily="34" charset="0"/>
+              </a:rPr>
+              <a:t> con la deep waveguide </a:t>
+            </a:r>
+            <a:r>
+              <a:rPr lang="en-US" sz="1200" dirty="0" err="1">
+                <a:latin typeface="Arial" panose="020B0604020202020204" pitchFamily="34" charset="0"/>
+                <a:cs typeface="Arial" panose="020B0604020202020204" pitchFamily="34" charset="0"/>
+              </a:rPr>
+              <a:t>los</a:t>
+            </a:r>
+            <a:r>
+              <a:rPr lang="en-US" sz="1200" dirty="0">
+                <a:latin typeface="Arial" panose="020B0604020202020204" pitchFamily="34" charset="0"/>
+                <a:cs typeface="Arial" panose="020B0604020202020204" pitchFamily="34" charset="0"/>
+              </a:rPr>
+              <a:t> </a:t>
+            </a:r>
+            <a:r>
+              <a:rPr lang="en-US" sz="1200" dirty="0" err="1">
+                <a:latin typeface="Arial" panose="020B0604020202020204" pitchFamily="34" charset="0"/>
+                <a:cs typeface="Arial" panose="020B0604020202020204" pitchFamily="34" charset="0"/>
+              </a:rPr>
+              <a:t>modos</a:t>
+            </a:r>
+            <a:r>
+              <a:rPr lang="en-US" sz="1200" dirty="0">
+                <a:latin typeface="Arial" panose="020B0604020202020204" pitchFamily="34" charset="0"/>
+                <a:cs typeface="Arial" panose="020B0604020202020204" pitchFamily="34" charset="0"/>
+              </a:rPr>
+              <a:t> 2 y 3 no se </a:t>
+            </a:r>
+            <a:r>
+              <a:rPr lang="en-US" sz="1200" dirty="0" err="1">
+                <a:latin typeface="Arial" panose="020B0604020202020204" pitchFamily="34" charset="0"/>
+                <a:cs typeface="Arial" panose="020B0604020202020204" pitchFamily="34" charset="0"/>
+              </a:rPr>
+              <a:t>propagan</a:t>
+            </a:r>
+            <a:r>
+              <a:rPr lang="en-US" sz="1200" dirty="0">
+                <a:latin typeface="Arial" panose="020B0604020202020204" pitchFamily="34" charset="0"/>
+                <a:cs typeface="Arial" panose="020B0604020202020204" pitchFamily="34" charset="0"/>
+              </a:rPr>
+              <a:t> </a:t>
+            </a:r>
+            <a:r>
+              <a:rPr lang="en-US" sz="1200" dirty="0" err="1">
+                <a:latin typeface="Arial" panose="020B0604020202020204" pitchFamily="34" charset="0"/>
+                <a:cs typeface="Arial" panose="020B0604020202020204" pitchFamily="34" charset="0"/>
+              </a:rPr>
+              <a:t>porque</a:t>
+            </a:r>
+            <a:r>
+              <a:rPr lang="en-US" sz="1200" dirty="0">
+                <a:latin typeface="Arial" panose="020B0604020202020204" pitchFamily="34" charset="0"/>
+                <a:cs typeface="Arial" panose="020B0604020202020204" pitchFamily="34" charset="0"/>
+              </a:rPr>
+              <a:t> </a:t>
+            </a:r>
+            <a:r>
+              <a:rPr lang="en-US" sz="1200" dirty="0" err="1">
+                <a:latin typeface="Arial" panose="020B0604020202020204" pitchFamily="34" charset="0"/>
+                <a:cs typeface="Arial" panose="020B0604020202020204" pitchFamily="34" charset="0"/>
+              </a:rPr>
+              <a:t>su</a:t>
+            </a:r>
+            <a:r>
+              <a:rPr lang="en-US" sz="1200" dirty="0">
+                <a:latin typeface="Arial" panose="020B0604020202020204" pitchFamily="34" charset="0"/>
+                <a:cs typeface="Arial" panose="020B0604020202020204" pitchFamily="34" charset="0"/>
+              </a:rPr>
+              <a:t> </a:t>
+            </a:r>
+            <a:r>
+              <a:rPr lang="en-US" sz="1200" dirty="0" err="1">
+                <a:latin typeface="Arial" panose="020B0604020202020204" pitchFamily="34" charset="0"/>
+                <a:cs typeface="Arial" panose="020B0604020202020204" pitchFamily="34" charset="0"/>
+              </a:rPr>
+              <a:t>indice</a:t>
+            </a:r>
+            <a:r>
+              <a:rPr lang="en-US" sz="1200" dirty="0">
+                <a:latin typeface="Arial" panose="020B0604020202020204" pitchFamily="34" charset="0"/>
+                <a:cs typeface="Arial" panose="020B0604020202020204" pitchFamily="34" charset="0"/>
+              </a:rPr>
+              <a:t> </a:t>
+            </a:r>
+            <a:r>
+              <a:rPr lang="en-US" sz="1200" dirty="0" err="1">
+                <a:latin typeface="Arial" panose="020B0604020202020204" pitchFamily="34" charset="0"/>
+                <a:cs typeface="Arial" panose="020B0604020202020204" pitchFamily="34" charset="0"/>
+              </a:rPr>
+              <a:t>efectivo</a:t>
+            </a:r>
+            <a:r>
+              <a:rPr lang="en-US" sz="1200" dirty="0">
+                <a:latin typeface="Arial" panose="020B0604020202020204" pitchFamily="34" charset="0"/>
+                <a:cs typeface="Arial" panose="020B0604020202020204" pitchFamily="34" charset="0"/>
+              </a:rPr>
+              <a:t> es </a:t>
+            </a:r>
+            <a:r>
+              <a:rPr lang="en-US" sz="1200" dirty="0" err="1">
+                <a:latin typeface="Arial" panose="020B0604020202020204" pitchFamily="34" charset="0"/>
+                <a:cs typeface="Arial" panose="020B0604020202020204" pitchFamily="34" charset="0"/>
+              </a:rPr>
+              <a:t>menor</a:t>
+            </a:r>
+            <a:r>
+              <a:rPr lang="en-US" sz="1200" dirty="0">
+                <a:latin typeface="Arial" panose="020B0604020202020204" pitchFamily="34" charset="0"/>
+                <a:cs typeface="Arial" panose="020B0604020202020204" pitchFamily="34" charset="0"/>
+              </a:rPr>
+              <a:t> </a:t>
+            </a:r>
+            <a:r>
+              <a:rPr lang="en-US" sz="1200" dirty="0" err="1">
+                <a:latin typeface="Arial" panose="020B0604020202020204" pitchFamily="34" charset="0"/>
+                <a:cs typeface="Arial" panose="020B0604020202020204" pitchFamily="34" charset="0"/>
+              </a:rPr>
+              <a:t>que</a:t>
+            </a:r>
+            <a:r>
+              <a:rPr lang="en-US" sz="1200" dirty="0">
+                <a:latin typeface="Arial" panose="020B0604020202020204" pitchFamily="34" charset="0"/>
+                <a:cs typeface="Arial" panose="020B0604020202020204" pitchFamily="34" charset="0"/>
+              </a:rPr>
+              <a:t> </a:t>
+            </a:r>
+            <a:r>
+              <a:rPr lang="en-US" sz="1200" dirty="0" err="1">
+                <a:latin typeface="Arial" panose="020B0604020202020204" pitchFamily="34" charset="0"/>
+                <a:cs typeface="Arial" panose="020B0604020202020204" pitchFamily="34" charset="0"/>
+              </a:rPr>
+              <a:t>el</a:t>
+            </a:r>
+            <a:r>
+              <a:rPr lang="en-US" sz="1200" dirty="0">
+                <a:latin typeface="Arial" panose="020B0604020202020204" pitchFamily="34" charset="0"/>
+                <a:cs typeface="Arial" panose="020B0604020202020204" pitchFamily="34" charset="0"/>
+              </a:rPr>
+              <a:t> </a:t>
+            </a:r>
+            <a:r>
+              <a:rPr lang="en-US" sz="1200" dirty="0" err="1">
+                <a:latin typeface="Arial" panose="020B0604020202020204" pitchFamily="34" charset="0"/>
+                <a:cs typeface="Arial" panose="020B0604020202020204" pitchFamily="34" charset="0"/>
+              </a:rPr>
+              <a:t>indice</a:t>
+            </a:r>
+            <a:r>
+              <a:rPr lang="en-US" sz="1200" dirty="0">
+                <a:latin typeface="Arial" panose="020B0604020202020204" pitchFamily="34" charset="0"/>
+                <a:cs typeface="Arial" panose="020B0604020202020204" pitchFamily="34" charset="0"/>
+              </a:rPr>
+              <a:t> del cladding.</a:t>
+            </a:r>
           </a:p>
           <a:p>
             <a:pPr algn="just"/>
-            <a:endParaRPr lang="en-US" sz="1200" dirty="0">
-              <a:latin typeface="Arial" panose="020B0604020202020204" pitchFamily="34" charset="0"/>
-              <a:cs typeface="Arial" panose="020B0604020202020204" pitchFamily="34" charset="0"/>
-            </a:endParaRPr>
+            <a:r>
+              <a:rPr lang="en-US" sz="1200" dirty="0">
+                <a:latin typeface="Arial" panose="020B0604020202020204" pitchFamily="34" charset="0"/>
+                <a:cs typeface="Arial" panose="020B0604020202020204" pitchFamily="34" charset="0"/>
+              </a:rPr>
+              <a:t>Con la </a:t>
+            </a:r>
+            <a:r>
+              <a:rPr lang="en-US" sz="1200" dirty="0" err="1">
+                <a:latin typeface="Arial" panose="020B0604020202020204" pitchFamily="34" charset="0"/>
+                <a:cs typeface="Arial" panose="020B0604020202020204" pitchFamily="34" charset="0"/>
+              </a:rPr>
+              <a:t>guia</a:t>
+            </a:r>
+            <a:r>
+              <a:rPr lang="en-US" sz="1200" dirty="0">
+                <a:latin typeface="Arial" panose="020B0604020202020204" pitchFamily="34" charset="0"/>
+                <a:cs typeface="Arial" panose="020B0604020202020204" pitchFamily="34" charset="0"/>
+              </a:rPr>
+              <a:t> shallow </a:t>
+            </a:r>
+            <a:r>
+              <a:rPr lang="en-US" sz="1200" dirty="0" err="1">
+                <a:latin typeface="Arial" panose="020B0604020202020204" pitchFamily="34" charset="0"/>
+                <a:cs typeface="Arial" panose="020B0604020202020204" pitchFamily="34" charset="0"/>
+              </a:rPr>
+              <a:t>los</a:t>
+            </a:r>
+            <a:r>
+              <a:rPr lang="en-US" sz="1200" dirty="0">
+                <a:latin typeface="Arial" panose="020B0604020202020204" pitchFamily="34" charset="0"/>
+                <a:cs typeface="Arial" panose="020B0604020202020204" pitchFamily="34" charset="0"/>
+              </a:rPr>
+              <a:t> </a:t>
+            </a:r>
+            <a:r>
+              <a:rPr lang="en-US" sz="1200" dirty="0" err="1">
+                <a:latin typeface="Arial" panose="020B0604020202020204" pitchFamily="34" charset="0"/>
+                <a:cs typeface="Arial" panose="020B0604020202020204" pitchFamily="34" charset="0"/>
+              </a:rPr>
+              <a:t>modos</a:t>
+            </a:r>
+            <a:r>
+              <a:rPr lang="en-US" sz="1200" dirty="0">
+                <a:latin typeface="Arial" panose="020B0604020202020204" pitchFamily="34" charset="0"/>
+                <a:cs typeface="Arial" panose="020B0604020202020204" pitchFamily="34" charset="0"/>
+              </a:rPr>
+              <a:t> 0,y 3 son TE y </a:t>
+            </a:r>
+            <a:r>
+              <a:rPr lang="en-US" sz="1200" dirty="0" err="1">
+                <a:latin typeface="Arial" panose="020B0604020202020204" pitchFamily="34" charset="0"/>
+                <a:cs typeface="Arial" panose="020B0604020202020204" pitchFamily="34" charset="0"/>
+              </a:rPr>
+              <a:t>el</a:t>
+            </a:r>
+            <a:r>
+              <a:rPr lang="en-US" sz="1200" dirty="0">
+                <a:latin typeface="Arial" panose="020B0604020202020204" pitchFamily="34" charset="0"/>
+                <a:cs typeface="Arial" panose="020B0604020202020204" pitchFamily="34" charset="0"/>
+              </a:rPr>
+              <a:t> modo 2 es TM. El modo 1 es </a:t>
+            </a:r>
+            <a:r>
+              <a:rPr lang="en-US" sz="1200" dirty="0" err="1">
+                <a:latin typeface="Arial" panose="020B0604020202020204" pitchFamily="34" charset="0"/>
+                <a:cs typeface="Arial" panose="020B0604020202020204" pitchFamily="34" charset="0"/>
+              </a:rPr>
+              <a:t>hibrido</a:t>
+            </a:r>
+            <a:r>
+              <a:rPr lang="en-US" sz="1200" dirty="0">
+                <a:latin typeface="Arial" panose="020B0604020202020204" pitchFamily="34" charset="0"/>
+                <a:cs typeface="Arial" panose="020B0604020202020204" pitchFamily="34" charset="0"/>
+              </a:rPr>
+              <a:t>.</a:t>
+            </a:r>
           </a:p>
           <a:p>
             <a:pPr algn="just"/>
-            <a:endParaRPr lang="en-US" sz="1200" dirty="0">
-              <a:latin typeface="Arial" panose="020B0604020202020204" pitchFamily="34" charset="0"/>
-              <a:cs typeface="Arial" panose="020B0604020202020204" pitchFamily="34" charset="0"/>
-            </a:endParaRPr>
+            <a:r>
+              <a:rPr lang="en-US" sz="1200" dirty="0">
+                <a:latin typeface="Arial" panose="020B0604020202020204" pitchFamily="34" charset="0"/>
+                <a:cs typeface="Arial" panose="020B0604020202020204" pitchFamily="34" charset="0"/>
+              </a:rPr>
+              <a:t>Con la </a:t>
+            </a:r>
+            <a:r>
+              <a:rPr lang="en-US" sz="1200" dirty="0" err="1">
+                <a:latin typeface="Arial" panose="020B0604020202020204" pitchFamily="34" charset="0"/>
+                <a:cs typeface="Arial" panose="020B0604020202020204" pitchFamily="34" charset="0"/>
+              </a:rPr>
+              <a:t>guia</a:t>
+            </a:r>
+            <a:r>
+              <a:rPr lang="en-US" sz="1200" dirty="0">
+                <a:latin typeface="Arial" panose="020B0604020202020204" pitchFamily="34" charset="0"/>
+                <a:cs typeface="Arial" panose="020B0604020202020204" pitchFamily="34" charset="0"/>
+              </a:rPr>
+              <a:t> deep </a:t>
+            </a:r>
+            <a:r>
+              <a:rPr lang="en-US" sz="1200" dirty="0" err="1">
+                <a:latin typeface="Arial" panose="020B0604020202020204" pitchFamily="34" charset="0"/>
+                <a:cs typeface="Arial" panose="020B0604020202020204" pitchFamily="34" charset="0"/>
+              </a:rPr>
+              <a:t>los</a:t>
+            </a:r>
+            <a:r>
+              <a:rPr lang="en-US" sz="1200" dirty="0">
+                <a:latin typeface="Arial" panose="020B0604020202020204" pitchFamily="34" charset="0"/>
+                <a:cs typeface="Arial" panose="020B0604020202020204" pitchFamily="34" charset="0"/>
+              </a:rPr>
+              <a:t> </a:t>
+            </a:r>
+            <a:r>
+              <a:rPr lang="en-US" sz="1200" dirty="0" err="1">
+                <a:latin typeface="Arial" panose="020B0604020202020204" pitchFamily="34" charset="0"/>
+                <a:cs typeface="Arial" panose="020B0604020202020204" pitchFamily="34" charset="0"/>
+              </a:rPr>
+              <a:t>modos</a:t>
+            </a:r>
+            <a:r>
+              <a:rPr lang="en-US" sz="1200" dirty="0">
+                <a:latin typeface="Arial" panose="020B0604020202020204" pitchFamily="34" charset="0"/>
+                <a:cs typeface="Arial" panose="020B0604020202020204" pitchFamily="34" charset="0"/>
+              </a:rPr>
+              <a:t> 0 y 2 son TE y </a:t>
+            </a:r>
+            <a:r>
+              <a:rPr lang="en-US" sz="1200" dirty="0" err="1">
+                <a:latin typeface="Arial" panose="020B0604020202020204" pitchFamily="34" charset="0"/>
+                <a:cs typeface="Arial" panose="020B0604020202020204" pitchFamily="34" charset="0"/>
+              </a:rPr>
+              <a:t>el</a:t>
+            </a:r>
+            <a:r>
+              <a:rPr lang="en-US" sz="1200" dirty="0">
+                <a:latin typeface="Arial" panose="020B0604020202020204" pitchFamily="34" charset="0"/>
+                <a:cs typeface="Arial" panose="020B0604020202020204" pitchFamily="34" charset="0"/>
+              </a:rPr>
+              <a:t> 1 y 3 son TM.</a:t>
+            </a:r>
           </a:p>
           <a:p>
             <a:pPr algn="just"/>
@@ -6380,6 +6889,66 @@
           </a:p>
         </p:txBody>
       </p:sp>
+      <p:pic>
+        <p:nvPicPr>
+          <p:cNvPr id="4" name="Imagen 3" descr="Gráfico, Gráfico de líneas&#10;&#10;El contenido generado por IA puede ser incorrecto.">
+            <a:extLst>
+              <a:ext uri="{FF2B5EF4-FFF2-40B4-BE49-F238E27FC236}">
+                <a16:creationId xmlns:a16="http://schemas.microsoft.com/office/drawing/2014/main" id="{63260072-4336-C477-FDF6-3CF8F695AEC8}"/>
+              </a:ext>
+            </a:extLst>
+          </p:cNvPr>
+          <p:cNvPicPr>
+            <a:picLocks noChangeAspect="1"/>
+          </p:cNvPicPr>
+          <p:nvPr/>
+        </p:nvPicPr>
+        <p:blipFill>
+          <a:blip r:embed="rId5"/>
+          <a:stretch>
+            <a:fillRect/>
+          </a:stretch>
+        </p:blipFill>
+        <p:spPr>
+          <a:xfrm>
+            <a:off x="712459" y="1645482"/>
+            <a:ext cx="5126533" cy="2990478"/>
+          </a:xfrm>
+          <a:prstGeom prst="rect">
+            <a:avLst/>
+          </a:prstGeom>
+        </p:spPr>
+      </p:pic>
+      <p:pic>
+        <p:nvPicPr>
+          <p:cNvPr id="10" name="Imagen 9" descr="Gráfico, Gráfico de líneas&#10;&#10;El contenido generado por IA puede ser incorrecto.">
+            <a:extLst>
+              <a:ext uri="{FF2B5EF4-FFF2-40B4-BE49-F238E27FC236}">
+                <a16:creationId xmlns:a16="http://schemas.microsoft.com/office/drawing/2014/main" id="{8D8790E9-D5FA-BF84-1C13-E0C9F45B3C02}"/>
+              </a:ext>
+            </a:extLst>
+          </p:cNvPr>
+          <p:cNvPicPr>
+            <a:picLocks noChangeAspect="1"/>
+          </p:cNvPicPr>
+          <p:nvPr/>
+        </p:nvPicPr>
+        <p:blipFill>
+          <a:blip r:embed="rId6"/>
+          <a:stretch>
+            <a:fillRect/>
+          </a:stretch>
+        </p:blipFill>
+        <p:spPr>
+          <a:xfrm>
+            <a:off x="6467316" y="1571789"/>
+            <a:ext cx="5294562" cy="3088494"/>
+          </a:xfrm>
+          <a:prstGeom prst="rect">
+            <a:avLst/>
+          </a:prstGeom>
+        </p:spPr>
+      </p:pic>
     </p:spTree>
     <p:extLst>
       <p:ext uri="{BB962C8B-B14F-4D97-AF65-F5344CB8AC3E}">
@@ -7457,4 +8026,260 @@
     </a:ext>
   </a:extLst>
 </a:theme>
+</file>
+
+<file path=customXml/item1.xml><?xml version="1.0" encoding="utf-8"?>
+<p:properties xmlns:p="http://schemas.microsoft.com/office/2006/metadata/properties" xmlns:xsi="http://www.w3.org/2001/XMLSchema-instance" xmlns:pc="http://schemas.microsoft.com/office/infopath/2007/PartnerControls">
+  <documentManagement>
+    <_activity xmlns="512ad970-e211-4551-badd-1c89141866b5" xsi:nil="true"/>
+  </documentManagement>
+</p:properties>
+</file>
+
+<file path=customXml/item2.xml><?xml version="1.0" encoding="utf-8"?>
+<?mso-contentType ?>
+<FormTemplates xmlns="http://schemas.microsoft.com/sharepoint/v3/contenttype/forms">
+  <Display>DocumentLibraryForm</Display>
+  <Edit>DocumentLibraryForm</Edit>
+  <New>DocumentLibraryForm</New>
+</FormTemplates>
+</file>
+
+<file path=customXml/item3.xml><?xml version="1.0" encoding="utf-8"?>
+<ct:contentTypeSchema xmlns:ct="http://schemas.microsoft.com/office/2006/metadata/contentType" xmlns:ma="http://schemas.microsoft.com/office/2006/metadata/properties/metaAttributes" ct:_="" ma:_="" ma:contentTypeName="Documento" ma:contentTypeID="0x010100B4F9E81278D9EF4B93FEF4C39323CCC6" ma:contentTypeVersion="9" ma:contentTypeDescription="Crear nuevo documento." ma:contentTypeScope="" ma:versionID="d3230f1af0420652ab6bb9cc9a7d79bf">
+  <xsd:schema xmlns:xsd="http://www.w3.org/2001/XMLSchema" xmlns:xs="http://www.w3.org/2001/XMLSchema" xmlns:p="http://schemas.microsoft.com/office/2006/metadata/properties" xmlns:ns3="512ad970-e211-4551-badd-1c89141866b5" xmlns:ns4="39b51ea6-d3c9-44a5-b163-cfe7ba19310b" targetNamespace="http://schemas.microsoft.com/office/2006/metadata/properties" ma:root="true" ma:fieldsID="f33886ecf8d1a5727ad2dd4cfd712005" ns3:_="" ns4:_="">
+    <xsd:import namespace="512ad970-e211-4551-badd-1c89141866b5"/>
+    <xsd:import namespace="39b51ea6-d3c9-44a5-b163-cfe7ba19310b"/>
+    <xsd:element name="properties">
+      <xsd:complexType>
+        <xsd:sequence>
+          <xsd:element name="documentManagement">
+            <xsd:complexType>
+              <xsd:all>
+                <xsd:element ref="ns3:MediaServiceMetadata" minOccurs="0"/>
+                <xsd:element ref="ns3:MediaServiceFastMetadata" minOccurs="0"/>
+                <xsd:element ref="ns4:SharedWithUsers" minOccurs="0"/>
+                <xsd:element ref="ns4:SharedWithDetails" minOccurs="0"/>
+                <xsd:element ref="ns4:SharingHintHash" minOccurs="0"/>
+                <xsd:element ref="ns3:MediaServiceSearchProperties" minOccurs="0"/>
+                <xsd:element ref="ns3:_activity" minOccurs="0"/>
+                <xsd:element ref="ns3:MediaServiceObjectDetectorVersions" minOccurs="0"/>
+                <xsd:element ref="ns3:MediaServiceDateTaken" minOccurs="0"/>
+              </xsd:all>
+            </xsd:complexType>
+          </xsd:element>
+        </xsd:sequence>
+      </xsd:complexType>
+    </xsd:element>
+  </xsd:schema>
+  <xsd:schema xmlns:xsd="http://www.w3.org/2001/XMLSchema" xmlns:xs="http://www.w3.org/2001/XMLSchema" xmlns:dms="http://schemas.microsoft.com/office/2006/documentManagement/types" xmlns:pc="http://schemas.microsoft.com/office/infopath/2007/PartnerControls" targetNamespace="512ad970-e211-4551-badd-1c89141866b5" elementFormDefault="qualified">
+    <xsd:import namespace="http://schemas.microsoft.com/office/2006/documentManagement/types"/>
+    <xsd:import namespace="http://schemas.microsoft.com/office/infopath/2007/PartnerControls"/>
+    <xsd:element name="MediaServiceMetadata" ma:index="8" nillable="true" ma:displayName="MediaServiceMetadata" ma:hidden="true" ma:internalName="MediaServiceMetadata" ma:readOnly="true">
+      <xsd:simpleType>
+        <xsd:restriction base="dms:Note"/>
+      </xsd:simpleType>
+    </xsd:element>
+    <xsd:element name="MediaServiceFastMetadata" ma:index="9" nillable="true" ma:displayName="MediaServiceFastMetadata" ma:hidden="true" ma:internalName="MediaServiceFastMetadata" ma:readOnly="true">
+      <xsd:simpleType>
+        <xsd:restriction base="dms:Note"/>
+      </xsd:simpleType>
+    </xsd:element>
+    <xsd:element name="MediaServiceSearchProperties" ma:index="13" nillable="true" ma:displayName="MediaServiceSearchProperties" ma:hidden="true" ma:internalName="MediaServiceSearchProperties" ma:readOnly="true">
+      <xsd:simpleType>
+        <xsd:restriction base="dms:Note"/>
+      </xsd:simpleType>
+    </xsd:element>
+    <xsd:element name="_activity" ma:index="14" nillable="true" ma:displayName="_activity" ma:hidden="true" ma:internalName="_activity">
+      <xsd:simpleType>
+        <xsd:restriction base="dms:Note"/>
+      </xsd:simpleType>
+    </xsd:element>
+    <xsd:element name="MediaServiceObjectDetectorVersions" ma:index="15" nillable="true" ma:displayName="MediaServiceObjectDetectorVersions" ma:hidden="true" ma:indexed="true" ma:internalName="MediaServiceObjectDetectorVersions" ma:readOnly="true">
+      <xsd:simpleType>
+        <xsd:restriction base="dms:Text"/>
+      </xsd:simpleType>
+    </xsd:element>
+    <xsd:element name="MediaServiceDateTaken" ma:index="16" nillable="true" ma:displayName="MediaServiceDateTaken" ma:hidden="true" ma:indexed="true" ma:internalName="MediaServiceDateTaken" ma:readOnly="true">
+      <xsd:simpleType>
+        <xsd:restriction base="dms:Text"/>
+      </xsd:simpleType>
+    </xsd:element>
+  </xsd:schema>
+  <xsd:schema xmlns:xsd="http://www.w3.org/2001/XMLSchema" xmlns:xs="http://www.w3.org/2001/XMLSchema" xmlns:dms="http://schemas.microsoft.com/office/2006/documentManagement/types" xmlns:pc="http://schemas.microsoft.com/office/infopath/2007/PartnerControls" targetNamespace="39b51ea6-d3c9-44a5-b163-cfe7ba19310b" elementFormDefault="qualified">
+    <xsd:import namespace="http://schemas.microsoft.com/office/2006/documentManagement/types"/>
+    <xsd:import namespace="http://schemas.microsoft.com/office/infopath/2007/PartnerControls"/>
+    <xsd:element name="SharedWithUsers" ma:index="10" nillable="true" ma:displayName="Compartido con" ma:internalName="SharedWithUsers" ma:readOnly="true">
+      <xsd:complexType>
+        <xsd:complexContent>
+          <xsd:extension base="dms:UserMulti">
+            <xsd:sequence>
+              <xsd:element name="UserInfo" minOccurs="0" maxOccurs="unbounded">
+                <xsd:complexType>
+                  <xsd:sequence>
+                    <xsd:element name="DisplayName" type="xsd:string" minOccurs="0"/>
+                    <xsd:element name="AccountId" type="dms:UserId" minOccurs="0" nillable="true"/>
+                    <xsd:element name="AccountType" type="xsd:string" minOccurs="0"/>
+                  </xsd:sequence>
+                </xsd:complexType>
+              </xsd:element>
+            </xsd:sequence>
+          </xsd:extension>
+        </xsd:complexContent>
+      </xsd:complexType>
+    </xsd:element>
+    <xsd:element name="SharedWithDetails" ma:index="11" nillable="true" ma:displayName="Detalles de uso compartido" ma:internalName="SharedWithDetails" ma:readOnly="true">
+      <xsd:simpleType>
+        <xsd:restriction base="dms:Note">
+          <xsd:maxLength value="255"/>
+        </xsd:restriction>
+      </xsd:simpleType>
+    </xsd:element>
+    <xsd:element name="SharingHintHash" ma:index="12" nillable="true" ma:displayName="Hash de la sugerencia para compartir" ma:hidden="true" ma:internalName="SharingHintHash" ma:readOnly="true">
+      <xsd:simpleType>
+        <xsd:restriction base="dms:Text"/>
+      </xsd:simpleType>
+    </xsd:element>
+  </xsd:schema>
+  <xsd:schema xmlns="http://schemas.openxmlformats.org/package/2006/metadata/core-properties" xmlns:xsd="http://www.w3.org/2001/XMLSchema" xmlns:xsi="http://www.w3.org/2001/XMLSchema-instance" xmlns:dc="http://purl.org/dc/elements/1.1/" xmlns:dcterms="http://purl.org/dc/terms/" xmlns:odoc="http://schemas.microsoft.com/internal/obd" targetNamespace="http://schemas.openxmlformats.org/package/2006/metadata/core-properties" elementFormDefault="qualified" attributeFormDefault="unqualified" blockDefault="#all">
+    <xsd:import namespace="http://purl.org/dc/elements/1.1/" schemaLocation="http://dublincore.org/schemas/xmls/qdc/2003/04/02/dc.xsd"/>
+    <xsd:import namespace="http://purl.org/dc/terms/" schemaLocation="http://dublincore.org/schemas/xmls/qdc/2003/04/02/dcterms.xsd"/>
+    <xsd:element name="coreProperties" type="CT_coreProperties"/>
+    <xsd:complexType name="CT_coreProperties">
+      <xsd:all>
+        <xsd:element ref="dc:creator" minOccurs="0" maxOccurs="1"/>
+        <xsd:element ref="dcterms:created" minOccurs="0" maxOccurs="1"/>
+        <xsd:element ref="dc:identifier" minOccurs="0" maxOccurs="1"/>
+        <xsd:element name="contentType" minOccurs="0" maxOccurs="1" type="xsd:string" ma:index="0" ma:displayName="Tipo de contenido"/>
+        <xsd:element ref="dc:title" minOccurs="0" maxOccurs="1" ma:index="4" ma:displayName="Título"/>
+        <xsd:element ref="dc:subject" minOccurs="0" maxOccurs="1"/>
+        <xsd:element ref="dc:description" minOccurs="0" maxOccurs="1"/>
+        <xsd:element name="keywords" minOccurs="0" maxOccurs="1" type="xsd:string"/>
+        <xsd:element ref="dc:language" minOccurs="0" maxOccurs="1"/>
+        <xsd:element name="category" minOccurs="0" maxOccurs="1" type="xsd:string"/>
+        <xsd:element name="version" minOccurs="0" maxOccurs="1" type="xsd:string"/>
+        <xsd:element name="revision" minOccurs="0" maxOccurs="1" type="xsd:string">
+          <xsd:annotation>
+            <xsd:documentation>
+                        This value indicates the number of saves or revisions. The application is responsible for updating this value after each revision.
+                    </xsd:documentation>
+          </xsd:annotation>
+        </xsd:element>
+        <xsd:element name="lastModifiedBy" minOccurs="0" maxOccurs="1" type="xsd:string"/>
+        <xsd:element ref="dcterms:modified" minOccurs="0" maxOccurs="1"/>
+        <xsd:element name="contentStatus" minOccurs="0" maxOccurs="1" type="xsd:string"/>
+      </xsd:all>
+    </xsd:complexType>
+  </xsd:schema>
+  <xs:schema xmlns:pc="http://schemas.microsoft.com/office/infopath/2007/PartnerControls" xmlns:xs="http://www.w3.org/2001/XMLSchema" targetNamespace="http://schemas.microsoft.com/office/infopath/2007/PartnerControls" elementFormDefault="qualified" attributeFormDefault="unqualified">
+    <xs:element name="Person">
+      <xs:complexType>
+        <xs:sequence>
+          <xs:element ref="pc:DisplayName" minOccurs="0"/>
+          <xs:element ref="pc:AccountId" minOccurs="0"/>
+          <xs:element ref="pc:AccountType" minOccurs="0"/>
+        </xs:sequence>
+      </xs:complexType>
+    </xs:element>
+    <xs:element name="DisplayName" type="xs:string"/>
+    <xs:element name="AccountId" type="xs:string"/>
+    <xs:element name="AccountType" type="xs:string"/>
+    <xs:element name="BDCAssociatedEntity">
+      <xs:complexType>
+        <xs:sequence>
+          <xs:element ref="pc:BDCEntity" minOccurs="0" maxOccurs="unbounded"/>
+        </xs:sequence>
+        <xs:attribute ref="pc:EntityNamespace"/>
+        <xs:attribute ref="pc:EntityName"/>
+        <xs:attribute ref="pc:SystemInstanceName"/>
+        <xs:attribute ref="pc:AssociationName"/>
+      </xs:complexType>
+    </xs:element>
+    <xs:attribute name="EntityNamespace" type="xs:string"/>
+    <xs:attribute name="EntityName" type="xs:string"/>
+    <xs:attribute name="SystemInstanceName" type="xs:string"/>
+    <xs:attribute name="AssociationName" type="xs:string"/>
+    <xs:element name="BDCEntity">
+      <xs:complexType>
+        <xs:sequence>
+          <xs:element ref="pc:EntityDisplayName" minOccurs="0"/>
+          <xs:element ref="pc:EntityInstanceReference" minOccurs="0"/>
+          <xs:element ref="pc:EntityId1" minOccurs="0"/>
+          <xs:element ref="pc:EntityId2" minOccurs="0"/>
+          <xs:element ref="pc:EntityId3" minOccurs="0"/>
+          <xs:element ref="pc:EntityId4" minOccurs="0"/>
+          <xs:element ref="pc:EntityId5" minOccurs="0"/>
+        </xs:sequence>
+      </xs:complexType>
+    </xs:element>
+    <xs:element name="EntityDisplayName" type="xs:string"/>
+    <xs:element name="EntityInstanceReference" type="xs:string"/>
+    <xs:element name="EntityId1" type="xs:string"/>
+    <xs:element name="EntityId2" type="xs:string"/>
+    <xs:element name="EntityId3" type="xs:string"/>
+    <xs:element name="EntityId4" type="xs:string"/>
+    <xs:element name="EntityId5" type="xs:string"/>
+    <xs:element name="Terms">
+      <xs:complexType>
+        <xs:sequence>
+          <xs:element ref="pc:TermInfo" minOccurs="0" maxOccurs="unbounded"/>
+        </xs:sequence>
+      </xs:complexType>
+    </xs:element>
+    <xs:element name="TermInfo">
+      <xs:complexType>
+        <xs:sequence>
+          <xs:element ref="pc:TermName" minOccurs="0"/>
+          <xs:element ref="pc:TermId" minOccurs="0"/>
+        </xs:sequence>
+      </xs:complexType>
+    </xs:element>
+    <xs:element name="TermName" type="xs:string"/>
+    <xs:element name="TermId" type="xs:string"/>
+  </xs:schema>
+</ct:contentTypeSchema>
+</file>
+
+<file path=customXml/itemProps1.xml><?xml version="1.0" encoding="utf-8"?>
+<ds:datastoreItem xmlns:ds="http://schemas.openxmlformats.org/officeDocument/2006/customXml" ds:itemID="{672770CA-3061-447B-B38E-0CE919B71026}">
+  <ds:schemaRefs>
+    <ds:schemaRef ds:uri="http://purl.org/dc/terms/"/>
+    <ds:schemaRef ds:uri="http://schemas.openxmlformats.org/package/2006/metadata/core-properties"/>
+    <ds:schemaRef ds:uri="512ad970-e211-4551-badd-1c89141866b5"/>
+    <ds:schemaRef ds:uri="http://purl.org/dc/dcmitype/"/>
+    <ds:schemaRef ds:uri="http://schemas.microsoft.com/office/2006/documentManagement/types"/>
+    <ds:schemaRef ds:uri="http://schemas.microsoft.com/office/infopath/2007/PartnerControls"/>
+    <ds:schemaRef ds:uri="39b51ea6-d3c9-44a5-b163-cfe7ba19310b"/>
+    <ds:schemaRef ds:uri="http://schemas.microsoft.com/office/2006/metadata/properties"/>
+    <ds:schemaRef ds:uri="http://www.w3.org/XML/1998/namespace"/>
+    <ds:schemaRef ds:uri="http://purl.org/dc/elements/1.1/"/>
+  </ds:schemaRefs>
+</ds:datastoreItem>
+</file>
+
+<file path=customXml/itemProps2.xml><?xml version="1.0" encoding="utf-8"?>
+<ds:datastoreItem xmlns:ds="http://schemas.openxmlformats.org/officeDocument/2006/customXml" ds:itemID="{ED6A1A82-244F-49B2-AE87-9E0E62E4BD07}">
+  <ds:schemaRefs>
+    <ds:schemaRef ds:uri="http://schemas.microsoft.com/sharepoint/v3/contenttype/forms"/>
+  </ds:schemaRefs>
+</ds:datastoreItem>
+</file>
+
+<file path=customXml/itemProps3.xml><?xml version="1.0" encoding="utf-8"?>
+<ds:datastoreItem xmlns:ds="http://schemas.openxmlformats.org/officeDocument/2006/customXml" ds:itemID="{74D191D3-7CDB-438B-95CA-9F90BBE48D1D}">
+  <ds:schemaRefs>
+    <ds:schemaRef ds:uri="http://schemas.microsoft.com/office/2006/metadata/contentType"/>
+    <ds:schemaRef ds:uri="http://schemas.microsoft.com/office/2006/metadata/properties/metaAttributes"/>
+    <ds:schemaRef ds:uri="http://www.w3.org/2001/XMLSchema"/>
+    <ds:schemaRef ds:uri="http://schemas.microsoft.com/office/2006/metadata/properties"/>
+    <ds:schemaRef ds:uri="512ad970-e211-4551-badd-1c89141866b5"/>
+    <ds:schemaRef ds:uri="39b51ea6-d3c9-44a5-b163-cfe7ba19310b"/>
+    <ds:schemaRef ds:uri="http://schemas.microsoft.com/office/2006/documentManagement/types"/>
+    <ds:schemaRef ds:uri="http://schemas.microsoft.com/office/infopath/2007/PartnerControls"/>
+    <ds:schemaRef ds:uri="http://schemas.openxmlformats.org/package/2006/metadata/core-properties"/>
+    <ds:schemaRef ds:uri="http://purl.org/dc/elements/1.1/"/>
+    <ds:schemaRef ds:uri="http://purl.org/dc/terms/"/>
+    <ds:schemaRef ds:uri="http://schemas.microsoft.com/internal/obd"/>
+  </ds:schemaRefs>
+</ds:datastoreItem>
 </file>